--- a/卒業論文/2012/HTET MYET MUN WIN/ゲーム画面案.pptx
+++ b/卒業論文/2012/HTET MYET MUN WIN/ゲーム画面案.pptx
@@ -288,7 +288,7 @@
           <a:p>
             <a:fld id="{44BCE3F5-EFD4-4BA4-A084-F15E8394962A}" type="datetimeFigureOut">
               <a:rPr kumimoji="1" lang="ja-JP" altLang="en-US" smtClean="0"/>
-              <a:t>2013/12/3</a:t>
+              <a:t>2013/12/24</a:t>
             </a:fld>
             <a:endParaRPr kumimoji="1" lang="ja-JP" altLang="en-US"/>
           </a:p>
@@ -490,7 +490,7 @@
           <a:p>
             <a:fld id="{44BCE3F5-EFD4-4BA4-A084-F15E8394962A}" type="datetimeFigureOut">
               <a:rPr kumimoji="1" lang="ja-JP" altLang="en-US" smtClean="0"/>
-              <a:t>2013/12/3</a:t>
+              <a:t>2013/12/24</a:t>
             </a:fld>
             <a:endParaRPr kumimoji="1" lang="ja-JP" altLang="en-US"/>
           </a:p>
@@ -702,7 +702,7 @@
           <a:p>
             <a:fld id="{44BCE3F5-EFD4-4BA4-A084-F15E8394962A}" type="datetimeFigureOut">
               <a:rPr kumimoji="1" lang="ja-JP" altLang="en-US" smtClean="0"/>
-              <a:t>2013/12/3</a:t>
+              <a:t>2013/12/24</a:t>
             </a:fld>
             <a:endParaRPr kumimoji="1" lang="ja-JP" altLang="en-US"/>
           </a:p>
@@ -904,7 +904,7 @@
           <a:p>
             <a:fld id="{44BCE3F5-EFD4-4BA4-A084-F15E8394962A}" type="datetimeFigureOut">
               <a:rPr kumimoji="1" lang="ja-JP" altLang="en-US" smtClean="0"/>
-              <a:t>2013/12/3</a:t>
+              <a:t>2013/12/24</a:t>
             </a:fld>
             <a:endParaRPr kumimoji="1" lang="ja-JP" altLang="en-US"/>
           </a:p>
@@ -1150,7 +1150,7 @@
           <a:p>
             <a:fld id="{44BCE3F5-EFD4-4BA4-A084-F15E8394962A}" type="datetimeFigureOut">
               <a:rPr kumimoji="1" lang="ja-JP" altLang="en-US" smtClean="0"/>
-              <a:t>2013/12/3</a:t>
+              <a:t>2013/12/24</a:t>
             </a:fld>
             <a:endParaRPr kumimoji="1" lang="ja-JP" altLang="en-US"/>
           </a:p>
@@ -1502,7 +1502,7 @@
           <a:p>
             <a:fld id="{44BCE3F5-EFD4-4BA4-A084-F15E8394962A}" type="datetimeFigureOut">
               <a:rPr kumimoji="1" lang="ja-JP" altLang="en-US" smtClean="0"/>
-              <a:t>2013/12/3</a:t>
+              <a:t>2013/12/24</a:t>
             </a:fld>
             <a:endParaRPr kumimoji="1" lang="ja-JP" altLang="en-US"/>
           </a:p>
@@ -1988,7 +1988,7 @@
           <a:p>
             <a:fld id="{44BCE3F5-EFD4-4BA4-A084-F15E8394962A}" type="datetimeFigureOut">
               <a:rPr kumimoji="1" lang="ja-JP" altLang="en-US" smtClean="0"/>
-              <a:t>2013/12/3</a:t>
+              <a:t>2013/12/24</a:t>
             </a:fld>
             <a:endParaRPr kumimoji="1" lang="ja-JP" altLang="en-US"/>
           </a:p>
@@ -2106,7 +2106,7 @@
           <a:p>
             <a:fld id="{44BCE3F5-EFD4-4BA4-A084-F15E8394962A}" type="datetimeFigureOut">
               <a:rPr kumimoji="1" lang="ja-JP" altLang="en-US" smtClean="0"/>
-              <a:t>2013/12/3</a:t>
+              <a:t>2013/12/24</a:t>
             </a:fld>
             <a:endParaRPr kumimoji="1" lang="ja-JP" altLang="en-US"/>
           </a:p>
@@ -2201,7 +2201,7 @@
           <a:p>
             <a:fld id="{44BCE3F5-EFD4-4BA4-A084-F15E8394962A}" type="datetimeFigureOut">
               <a:rPr kumimoji="1" lang="ja-JP" altLang="en-US" smtClean="0"/>
-              <a:t>2013/12/3</a:t>
+              <a:t>2013/12/24</a:t>
             </a:fld>
             <a:endParaRPr kumimoji="1" lang="ja-JP" altLang="en-US"/>
           </a:p>
@@ -2510,7 +2510,7 @@
           <a:p>
             <a:fld id="{44BCE3F5-EFD4-4BA4-A084-F15E8394962A}" type="datetimeFigureOut">
               <a:rPr kumimoji="1" lang="ja-JP" altLang="en-US" smtClean="0"/>
-              <a:t>2013/12/3</a:t>
+              <a:t>2013/12/24</a:t>
             </a:fld>
             <a:endParaRPr kumimoji="1" lang="ja-JP" altLang="en-US"/>
           </a:p>
@@ -2763,7 +2763,7 @@
           <a:p>
             <a:fld id="{44BCE3F5-EFD4-4BA4-A084-F15E8394962A}" type="datetimeFigureOut">
               <a:rPr kumimoji="1" lang="ja-JP" altLang="en-US" smtClean="0"/>
-              <a:t>2013/12/3</a:t>
+              <a:t>2013/12/24</a:t>
             </a:fld>
             <a:endParaRPr kumimoji="1" lang="ja-JP" altLang="en-US"/>
           </a:p>
@@ -3008,7 +3008,7 @@
           <a:p>
             <a:fld id="{44BCE3F5-EFD4-4BA4-A084-F15E8394962A}" type="datetimeFigureOut">
               <a:rPr kumimoji="1" lang="ja-JP" altLang="en-US" smtClean="0"/>
-              <a:t>2013/12/3</a:t>
+              <a:t>2013/12/24</a:t>
             </a:fld>
             <a:endParaRPr kumimoji="1" lang="ja-JP" altLang="en-US"/>
           </a:p>
@@ -4000,8 +4000,8 @@
         </p:nvSpPr>
         <p:spPr>
           <a:xfrm>
-            <a:off x="388406" y="1542982"/>
-            <a:ext cx="1598436" cy="1476164"/>
+            <a:off x="201552" y="2141029"/>
+            <a:ext cx="1286031" cy="989613"/>
           </a:xfrm>
           <a:prstGeom prst="ellipse">
             <a:avLst/>
@@ -4043,8 +4043,8 @@
         </p:nvSpPr>
         <p:spPr>
           <a:xfrm>
-            <a:off x="2152602" y="2024844"/>
-            <a:ext cx="1598436" cy="1476164"/>
+            <a:off x="1580096" y="2172530"/>
+            <a:ext cx="1263712" cy="989613"/>
           </a:xfrm>
           <a:prstGeom prst="ellipse">
             <a:avLst/>
@@ -4086,8 +4086,8 @@
         </p:nvSpPr>
         <p:spPr>
           <a:xfrm>
-            <a:off x="3887107" y="1542982"/>
-            <a:ext cx="1598436" cy="1476164"/>
+            <a:off x="2951820" y="2280915"/>
+            <a:ext cx="1404156" cy="989613"/>
           </a:xfrm>
           <a:prstGeom prst="ellipse">
             <a:avLst/>
@@ -4129,8 +4129,8 @@
         </p:nvSpPr>
         <p:spPr>
           <a:xfrm>
-            <a:off x="2418910" y="522703"/>
-            <a:ext cx="1044116" cy="1020280"/>
+            <a:off x="4434994" y="2414551"/>
+            <a:ext cx="1034214" cy="747592"/>
           </a:xfrm>
           <a:prstGeom prst="ellipse">
             <a:avLst/>
@@ -4172,8 +4172,8 @@
         </p:nvSpPr>
         <p:spPr>
           <a:xfrm>
-            <a:off x="512120" y="2206008"/>
-            <a:ext cx="216024" cy="216024"/>
+            <a:off x="279356" y="2556784"/>
+            <a:ext cx="162987" cy="158104"/>
           </a:xfrm>
           <a:prstGeom prst="ellipse">
             <a:avLst/>
@@ -4212,8 +4212,8 @@
         </p:nvSpPr>
         <p:spPr>
           <a:xfrm>
-            <a:off x="1077332" y="2206008"/>
-            <a:ext cx="216024" cy="216024"/>
+            <a:off x="729015" y="2567055"/>
+            <a:ext cx="162987" cy="158104"/>
           </a:xfrm>
           <a:prstGeom prst="ellipse">
             <a:avLst/>
@@ -4252,8 +4252,8 @@
         </p:nvSpPr>
         <p:spPr>
           <a:xfrm>
-            <a:off x="1372504" y="2201072"/>
-            <a:ext cx="216024" cy="216024"/>
+            <a:off x="976753" y="2578633"/>
+            <a:ext cx="162987" cy="158104"/>
           </a:xfrm>
           <a:prstGeom prst="ellipse">
             <a:avLst/>
@@ -4292,8 +4292,8 @@
         </p:nvSpPr>
         <p:spPr>
           <a:xfrm>
-            <a:off x="1664248" y="2206008"/>
-            <a:ext cx="216024" cy="216024"/>
+            <a:off x="1240661" y="2556784"/>
+            <a:ext cx="162987" cy="158104"/>
           </a:xfrm>
           <a:prstGeom prst="ellipse">
             <a:avLst/>
@@ -4332,8 +4332,8 @@
         </p:nvSpPr>
         <p:spPr>
           <a:xfrm>
-            <a:off x="796268" y="2206008"/>
-            <a:ext cx="216024" cy="216024"/>
+            <a:off x="509205" y="2546900"/>
+            <a:ext cx="162987" cy="158104"/>
           </a:xfrm>
           <a:prstGeom prst="ellipse">
             <a:avLst/>
@@ -4372,8 +4372,8 @@
         </p:nvSpPr>
         <p:spPr>
           <a:xfrm>
-            <a:off x="2267744" y="2641848"/>
-            <a:ext cx="216024" cy="216024"/>
+            <a:off x="1613175" y="2569418"/>
+            <a:ext cx="162987" cy="158104"/>
           </a:xfrm>
           <a:prstGeom prst="ellipse">
             <a:avLst/>
@@ -4412,8 +4412,8 @@
         </p:nvSpPr>
         <p:spPr>
           <a:xfrm>
-            <a:off x="2832956" y="2641848"/>
-            <a:ext cx="216024" cy="216024"/>
+            <a:off x="2051720" y="2617618"/>
+            <a:ext cx="162987" cy="158104"/>
           </a:xfrm>
           <a:prstGeom prst="ellipse">
             <a:avLst/>
@@ -4452,8 +4452,8 @@
         </p:nvSpPr>
         <p:spPr>
           <a:xfrm>
-            <a:off x="3128128" y="2636912"/>
-            <a:ext cx="216024" cy="216024"/>
+            <a:off x="2283161" y="2622554"/>
+            <a:ext cx="162987" cy="158104"/>
           </a:xfrm>
           <a:prstGeom prst="ellipse">
             <a:avLst/>
@@ -4492,8 +4492,8 @@
         </p:nvSpPr>
         <p:spPr>
           <a:xfrm>
-            <a:off x="3419872" y="2641848"/>
-            <a:ext cx="216024" cy="216024"/>
+            <a:off x="2535580" y="2635835"/>
+            <a:ext cx="162987" cy="158104"/>
           </a:xfrm>
           <a:prstGeom prst="ellipse">
             <a:avLst/>
@@ -4532,8 +4532,8 @@
         </p:nvSpPr>
         <p:spPr>
           <a:xfrm>
-            <a:off x="2551892" y="2641848"/>
-            <a:ext cx="216024" cy="216024"/>
+            <a:off x="1826210" y="2589909"/>
+            <a:ext cx="162987" cy="158104"/>
           </a:xfrm>
           <a:prstGeom prst="ellipse">
             <a:avLst/>
@@ -4572,8 +4572,8 @@
         </p:nvSpPr>
         <p:spPr>
           <a:xfrm>
-            <a:off x="3995936" y="2209800"/>
-            <a:ext cx="216024" cy="216024"/>
+            <a:off x="3050346" y="2668961"/>
+            <a:ext cx="162987" cy="158104"/>
           </a:xfrm>
           <a:prstGeom prst="ellipse">
             <a:avLst/>
@@ -4612,8 +4612,8 @@
         </p:nvSpPr>
         <p:spPr>
           <a:xfrm>
-            <a:off x="4561148" y="2209800"/>
-            <a:ext cx="216024" cy="216024"/>
+            <a:off x="3539457" y="2717045"/>
+            <a:ext cx="162987" cy="158104"/>
           </a:xfrm>
           <a:prstGeom prst="ellipse">
             <a:avLst/>
@@ -4652,8 +4652,8 @@
         </p:nvSpPr>
         <p:spPr>
           <a:xfrm>
-            <a:off x="4856320" y="2204864"/>
-            <a:ext cx="216024" cy="216024"/>
+            <a:off x="3779912" y="2759591"/>
+            <a:ext cx="162987" cy="158104"/>
           </a:xfrm>
           <a:prstGeom prst="ellipse">
             <a:avLst/>
@@ -4692,8 +4692,8 @@
         </p:nvSpPr>
         <p:spPr>
           <a:xfrm>
-            <a:off x="5148064" y="2209800"/>
-            <a:ext cx="216024" cy="216024"/>
+            <a:off x="4067944" y="2693451"/>
+            <a:ext cx="162987" cy="158104"/>
           </a:xfrm>
           <a:prstGeom prst="ellipse">
             <a:avLst/>
@@ -4732,8 +4732,8 @@
         </p:nvSpPr>
         <p:spPr>
           <a:xfrm>
-            <a:off x="4280084" y="2209800"/>
-            <a:ext cx="216024" cy="216024"/>
+            <a:off x="3275856" y="2726465"/>
+            <a:ext cx="162987" cy="158104"/>
           </a:xfrm>
           <a:prstGeom prst="ellipse">
             <a:avLst/>
@@ -4772,8 +4772,8 @@
         </p:nvSpPr>
         <p:spPr>
           <a:xfrm>
-            <a:off x="2832956" y="903402"/>
-            <a:ext cx="216024" cy="216024"/>
+            <a:off x="4790073" y="2745793"/>
+            <a:ext cx="213975" cy="158288"/>
           </a:xfrm>
           <a:prstGeom prst="ellipse">
             <a:avLst/>
@@ -4812,8 +4812,8 @@
         </p:nvSpPr>
         <p:spPr>
           <a:xfrm>
-            <a:off x="2832956" y="579367"/>
-            <a:ext cx="216024" cy="216024"/>
+            <a:off x="4499992" y="2748013"/>
+            <a:ext cx="213975" cy="158288"/>
           </a:xfrm>
           <a:prstGeom prst="ellipse">
             <a:avLst/>
@@ -4852,8 +4852,8 @@
         </p:nvSpPr>
         <p:spPr>
           <a:xfrm>
-            <a:off x="2843808" y="1227439"/>
-            <a:ext cx="216024" cy="216024"/>
+            <a:off x="5076056" y="2759591"/>
+            <a:ext cx="213975" cy="158288"/>
           </a:xfrm>
           <a:prstGeom prst="ellipse">
             <a:avLst/>
